--- a/PROYEK1-Aplikasi Food Court.pptx
+++ b/PROYEK1-Aplikasi Food Court.pptx
@@ -4110,17 +4110,6 @@
               </a:rPr>
               <a:t>Court</a:t>
             </a:r>
-            <a:endParaRPr lang="en-US" altLang="ko-KR" sz="3200" b="1" dirty="0" smtClean="0">
-              <a:solidFill>
-                <a:schemeClr val="tx1">
-                  <a:lumMod val="75000"/>
-                  <a:lumOff val="25000"/>
-                </a:schemeClr>
-              </a:solidFill>
-              <a:latin typeface="Arial" pitchFamily="34" charset="0"/>
-              <a:ea typeface="맑은 고딕" pitchFamily="50" charset="-127"/>
-              <a:cs typeface="Arial" pitchFamily="34" charset="0"/>
-            </a:endParaRPr>
           </a:p>
         </p:txBody>
       </p:sp>
@@ -4400,9 +4389,18 @@
           <a:bodyPr/>
           <a:lstStyle/>
           <a:p>
+            <a:pPr algn="just"/>
+            <a:r>
+              <a:rPr lang="en-US" altLang="ko-KR" sz="1800" dirty="0" err="1" smtClean="0"/>
+              <a:t>Aplikasi</a:t>
+            </a:r>
+            <a:r>
+              <a:rPr lang="en-US" altLang="ko-KR" sz="1800" dirty="0" smtClean="0"/>
+              <a:t> </a:t>
+            </a:r>
             <a:r>
               <a:rPr lang="en-US" altLang="ko-KR" sz="1800" dirty="0" err="1"/>
-              <a:t>Aplikasi</a:t>
+              <a:t>ini</a:t>
             </a:r>
             <a:r>
               <a:rPr lang="en-US" altLang="ko-KR" sz="1800" dirty="0"/>
@@ -4410,7 +4408,7 @@
             </a:r>
             <a:r>
               <a:rPr lang="en-US" altLang="ko-KR" sz="1800" dirty="0" err="1"/>
-              <a:t>ini</a:t>
+              <a:t>merupakan</a:t>
             </a:r>
             <a:r>
               <a:rPr lang="en-US" altLang="ko-KR" sz="1800" dirty="0"/>
@@ -4418,7 +4416,7 @@
             </a:r>
             <a:r>
               <a:rPr lang="en-US" altLang="ko-KR" sz="1800" dirty="0" err="1"/>
-              <a:t>merupakan</a:t>
+              <a:t>sebuah</a:t>
             </a:r>
             <a:r>
               <a:rPr lang="en-US" altLang="ko-KR" sz="1800" dirty="0"/>
@@ -4426,7 +4424,15 @@
             </a:r>
             <a:r>
               <a:rPr lang="en-US" altLang="ko-KR" sz="1800" dirty="0" err="1"/>
-              <a:t>sebuah</a:t>
+              <a:t>layanan</a:t>
+            </a:r>
+            <a:r>
+              <a:rPr lang="en-US" altLang="ko-KR" sz="1800" dirty="0"/>
+              <a:t> yang </a:t>
+            </a:r>
+            <a:r>
+              <a:rPr lang="en-US" altLang="ko-KR" sz="1800" dirty="0" err="1"/>
+              <a:t>bertujuan</a:t>
             </a:r>
             <a:r>
               <a:rPr lang="en-US" altLang="ko-KR" sz="1800" dirty="0"/>
@@ -4434,15 +4440,7 @@
             </a:r>
             <a:r>
               <a:rPr lang="en-US" altLang="ko-KR" sz="1800" dirty="0" err="1"/>
-              <a:t>layanan</a:t>
-            </a:r>
-            <a:r>
-              <a:rPr lang="en-US" altLang="ko-KR" sz="1800" dirty="0"/>
-              <a:t> yang </a:t>
-            </a:r>
-            <a:r>
-              <a:rPr lang="en-US" altLang="ko-KR" sz="1800" dirty="0" err="1"/>
-              <a:t>bertujuan</a:t>
+              <a:t>untuk</a:t>
             </a:r>
             <a:r>
               <a:rPr lang="en-US" altLang="ko-KR" sz="1800" dirty="0"/>
@@ -4450,7 +4448,7 @@
             </a:r>
             <a:r>
               <a:rPr lang="en-US" altLang="ko-KR" sz="1800" dirty="0" err="1"/>
-              <a:t>untuk</a:t>
+              <a:t>mengefisienkan</a:t>
             </a:r>
             <a:r>
               <a:rPr lang="en-US" altLang="ko-KR" sz="1800" dirty="0"/>
@@ -4458,19 +4456,19 @@
             </a:r>
             <a:r>
               <a:rPr lang="en-US" altLang="ko-KR" sz="1800" dirty="0" err="1"/>
-              <a:t>mengefisienkan</a:t>
+              <a:t>sistem</a:t>
             </a:r>
             <a:r>
               <a:rPr lang="en-US" altLang="ko-KR" sz="1800" dirty="0"/>
-              <a:t> </a:t>
-            </a:r>
-            <a:r>
-              <a:rPr lang="en-US" altLang="ko-KR" sz="1800" dirty="0" err="1"/>
-              <a:t>sistem</a:t>
-            </a:r>
-            <a:r>
-              <a:rPr lang="en-US" altLang="ko-KR" sz="1800" dirty="0"/>
-              <a:t> Food Court.</a:t>
+              <a:t> Food Court</a:t>
+            </a:r>
+            <a:r>
+              <a:rPr lang="en-US" altLang="ko-KR" sz="1800" dirty="0" smtClean="0"/>
+              <a:t>.</a:t>
+            </a:r>
+            <a:r>
+              <a:rPr lang="id-ID" altLang="ko-KR" sz="1800" dirty="0" smtClean="0"/>
+              <a:t> Jadi, pengunjung Food Court tidak perlu mengantri saat memesan makanan, cukup memesan melalui aplikasi web pada tab yang sudah terhubung dengan aplikasi yang ada di toko/kedai makanan. Lalu, sebelum pengunjung duduk di salah satu meja di Food Court, pengunjung bisa melihat ketersediaan meja melalui aplikasi.</a:t>
             </a:r>
             <a:endParaRPr lang="en-US" altLang="ko-KR" sz="1800" dirty="0"/>
           </a:p>

--- a/PROYEK1-Aplikasi Food Court.pptx
+++ b/PROYEK1-Aplikasi Food Court.pptx
@@ -10,8 +10,9 @@
     <p:sldId id="259" r:id="rId4"/>
     <p:sldId id="260" r:id="rId5"/>
     <p:sldId id="261" r:id="rId6"/>
-    <p:sldId id="262" r:id="rId7"/>
-    <p:sldId id="263" r:id="rId8"/>
+    <p:sldId id="264" r:id="rId7"/>
+    <p:sldId id="262" r:id="rId8"/>
+    <p:sldId id="263" r:id="rId9"/>
   </p:sldIdLst>
   <p:sldSz cx="9144000" cy="5143500" type="screen16x9"/>
   <p:notesSz cx="6858000" cy="9144000"/>
@@ -4892,6 +4893,169 @@
               </a:rPr>
               <a:t> Food Court</a:t>
             </a:r>
+            <a:endParaRPr lang="id-ID" dirty="0"/>
+          </a:p>
+        </p:txBody>
+      </p:sp>
+      <p:sp>
+        <p:nvSpPr>
+          <p:cNvPr id="3" name="Content Placeholder 2"/>
+          <p:cNvSpPr>
+            <a:spLocks noGrp="1"/>
+          </p:cNvSpPr>
+          <p:nvPr>
+            <p:ph idx="1"/>
+          </p:nvPr>
+        </p:nvSpPr>
+        <p:spPr/>
+        <p:txBody>
+          <a:bodyPr/>
+          <a:lstStyle/>
+          <a:p>
+            <a:r>
+              <a:rPr lang="id-ID" smtClean="0"/>
+              <a:t>Data Scrapping</a:t>
+            </a:r>
+            <a:endParaRPr lang="id-ID" dirty="0"/>
+          </a:p>
+        </p:txBody>
+      </p:sp>
+      <p:sp>
+        <p:nvSpPr>
+          <p:cNvPr id="4" name="Content Placeholder 3"/>
+          <p:cNvSpPr>
+            <a:spLocks noGrp="1"/>
+          </p:cNvSpPr>
+          <p:nvPr>
+            <p:ph idx="10"/>
+          </p:nvPr>
+        </p:nvSpPr>
+        <p:spPr/>
+        <p:txBody>
+          <a:bodyPr/>
+          <a:lstStyle/>
+          <a:p>
+            <a:pPr marL="514350" indent="-514350">
+              <a:buFont typeface="+mj-lt"/>
+              <a:buAutoNum type="arabicPeriod"/>
+            </a:pPr>
+            <a:r>
+              <a:rPr lang="id-ID" sz="1800" dirty="0"/>
+              <a:t>Data </a:t>
+            </a:r>
+            <a:r>
+              <a:rPr lang="id-ID" sz="1800" dirty="0"/>
+              <a:t>meja</a:t>
+            </a:r>
+          </a:p>
+          <a:p>
+            <a:pPr marL="514350" indent="-514350">
+              <a:buFont typeface="+mj-lt"/>
+              <a:buAutoNum type="arabicPeriod"/>
+            </a:pPr>
+            <a:r>
+              <a:rPr lang="id-ID" sz="1800" dirty="0"/>
+              <a:t>Data toko, makanan, minuman, harga</a:t>
+            </a:r>
+          </a:p>
+          <a:p>
+            <a:pPr marL="514350" indent="-514350">
+              <a:buFont typeface="+mj-lt"/>
+              <a:buAutoNum type="arabicPeriod"/>
+            </a:pPr>
+            <a:r>
+              <a:rPr lang="id-ID" sz="1800" dirty="0"/>
+              <a:t>Data transaksi</a:t>
+            </a:r>
+          </a:p>
+          <a:p>
+            <a:pPr marL="514350" indent="-514350">
+              <a:buFont typeface="+mj-lt"/>
+              <a:buAutoNum type="arabicPeriod"/>
+            </a:pPr>
+            <a:r>
+              <a:rPr lang="id-ID" sz="1800" dirty="0"/>
+              <a:t>Data pengunjung</a:t>
+            </a:r>
+          </a:p>
+          <a:p>
+            <a:pPr marL="342900" indent="-342900">
+              <a:buFont typeface="+mj-lt"/>
+              <a:buAutoNum type="arabicPeriod"/>
+            </a:pPr>
+            <a:endParaRPr lang="id-ID" dirty="0"/>
+          </a:p>
+        </p:txBody>
+      </p:sp>
+    </p:spTree>
+    <p:extLst>
+      <p:ext uri="{BB962C8B-B14F-4D97-AF65-F5344CB8AC3E}">
+        <p14:creationId xmlns:p14="http://schemas.microsoft.com/office/powerpoint/2010/main" val="2545630111"/>
+      </p:ext>
+    </p:extLst>
+  </p:cSld>
+  <p:clrMapOvr>
+    <a:masterClrMapping/>
+  </p:clrMapOvr>
+</p:sld>
+</file>
+
+<file path=ppt/slides/slide6.xml><?xml version="1.0" encoding="utf-8"?>
+<p:sld xmlns:a="http://schemas.openxmlformats.org/drawingml/2006/main" xmlns:r="http://schemas.openxmlformats.org/officeDocument/2006/relationships" xmlns:p="http://schemas.openxmlformats.org/presentationml/2006/main">
+  <p:cSld>
+    <p:spTree>
+      <p:nvGrpSpPr>
+        <p:cNvPr id="1" name=""/>
+        <p:cNvGrpSpPr/>
+        <p:nvPr/>
+      </p:nvGrpSpPr>
+      <p:grpSpPr>
+        <a:xfrm>
+          <a:off x="0" y="0"/>
+          <a:ext cx="0" cy="0"/>
+          <a:chOff x="0" y="0"/>
+          <a:chExt cx="0" cy="0"/>
+        </a:xfrm>
+      </p:grpSpPr>
+      <p:sp>
+        <p:nvSpPr>
+          <p:cNvPr id="2" name="Title 1"/>
+          <p:cNvSpPr>
+            <a:spLocks noGrp="1"/>
+          </p:cNvSpPr>
+          <p:nvPr>
+            <p:ph type="title"/>
+          </p:nvPr>
+        </p:nvSpPr>
+        <p:spPr/>
+        <p:txBody>
+          <a:bodyPr/>
+          <a:lstStyle/>
+          <a:p>
+            <a:r>
+              <a:rPr lang="en-US" altLang="ko-KR" dirty="0" err="1">
+                <a:ea typeface="맑은 고딕" pitchFamily="50" charset="-127"/>
+              </a:rPr>
+              <a:t>Proyek</a:t>
+            </a:r>
+            <a:r>
+              <a:rPr lang="en-US" altLang="ko-KR" dirty="0">
+                <a:ea typeface="맑은 고딕" pitchFamily="50" charset="-127"/>
+              </a:rPr>
+              <a:t> 1 – </a:t>
+            </a:r>
+            <a:r>
+              <a:rPr lang="en-US" altLang="ko-KR" dirty="0" err="1">
+                <a:ea typeface="맑은 고딕" pitchFamily="50" charset="-127"/>
+              </a:rPr>
+              <a:t>Aplikasi</a:t>
+            </a:r>
+            <a:r>
+              <a:rPr lang="en-US" altLang="ko-KR" dirty="0">
+                <a:ea typeface="맑은 고딕" pitchFamily="50" charset="-127"/>
+              </a:rPr>
+              <a:t> Food Court</a:t>
+            </a:r>
             <a:endParaRPr lang="en-US" dirty="0"/>
           </a:p>
         </p:txBody>
@@ -4998,7 +5162,7 @@
 </p:sld>
 </file>
 
-<file path=ppt/slides/slide6.xml><?xml version="1.0" encoding="utf-8"?>
+<file path=ppt/slides/slide7.xml><?xml version="1.0" encoding="utf-8"?>
 <p:sld xmlns:a="http://schemas.openxmlformats.org/drawingml/2006/main" xmlns:r="http://schemas.openxmlformats.org/officeDocument/2006/relationships" xmlns:p="http://schemas.openxmlformats.org/presentationml/2006/main">
   <p:cSld>
     <p:spTree>

--- a/PROYEK1-Aplikasi Food Court.pptx
+++ b/PROYEK1-Aplikasi Food Court.pptx
@@ -4469,7 +4469,15 @@
             </a:r>
             <a:r>
               <a:rPr lang="id-ID" altLang="ko-KR" sz="1800" dirty="0" smtClean="0"/>
-              <a:t> Jadi, pengunjung Food Court tidak perlu mengantri saat memesan makanan, cukup memesan melalui aplikasi web pada tab yang sudah terhubung dengan aplikasi yang ada di toko/kedai makanan. Lalu, sebelum pengunjung duduk di salah satu meja di Food Court, pengunjung bisa melihat ketersediaan meja melalui aplikasi.</a:t>
+              <a:t> Jadi, pengunjung Food Court tidak perlu mengantri saat memesan makanan, cukup memesan melalui aplikasi web pada tab yang sudah terhubung dengan aplikasi yang ada di toko/kedai makanan. </a:t>
+            </a:r>
+            <a:r>
+              <a:rPr lang="id-ID" altLang="ko-KR" sz="1800" dirty="0" smtClean="0"/>
+              <a:t>Sebelum </a:t>
+            </a:r>
+            <a:r>
+              <a:rPr lang="id-ID" altLang="ko-KR" sz="1800" dirty="0" smtClean="0"/>
+              <a:t>pengunjung duduk di salah satu meja di Food Court, pengunjung bisa melihat ketersediaan meja melalui aplikasi.</a:t>
             </a:r>
             <a:endParaRPr lang="en-US" altLang="ko-KR" sz="1800" dirty="0"/>
           </a:p>
@@ -4737,7 +4745,15 @@
             </a:r>
             <a:r>
               <a:rPr lang="en-US" sz="1800" dirty="0"/>
-              <a:t> disbanding </a:t>
+              <a:t> </a:t>
+            </a:r>
+            <a:r>
+              <a:rPr lang="en-US" sz="1800" dirty="0" err="1" smtClean="0"/>
+              <a:t>dibanding</a:t>
+            </a:r>
+            <a:r>
+              <a:rPr lang="en-US" sz="1800" dirty="0" smtClean="0"/>
+              <a:t> </a:t>
             </a:r>
             <a:r>
               <a:rPr lang="en-US" sz="1800" dirty="0" err="1"/>
@@ -4782,7 +4798,15 @@
             </a:pPr>
             <a:r>
               <a:rPr lang="id-ID" sz="1800" dirty="0"/>
-              <a:t>Pengunjung yang datang sendiri tidak usah khawatir kehabisan tempat ketika order karena order langsung di meja</a:t>
+              <a:t>Pengunjung yang datang sendiri tidak usah khawatir kehabisan tempat </a:t>
+            </a:r>
+            <a:r>
+              <a:rPr lang="id-ID" sz="1800" dirty="0" smtClean="0"/>
+              <a:t>   ketika </a:t>
+            </a:r>
+            <a:r>
+              <a:rPr lang="id-ID" sz="1800" dirty="0"/>
+              <a:t>order karena order langsung di meja</a:t>
             </a:r>
             <a:endParaRPr lang="en-US" sz="1800" dirty="0"/>
           </a:p>
@@ -4793,7 +4817,15 @@
             </a:pPr>
             <a:r>
               <a:rPr lang="id-ID" sz="1800" dirty="0"/>
-              <a:t>Bisa mengorder makanan beramai-ramai (biasanya order makanan di wakilkan)</a:t>
+              <a:t>Bisa mengorder makanan beramai-ramai (biasanya order makanan di </a:t>
+            </a:r>
+            <a:r>
+              <a:rPr lang="id-ID" sz="1800" dirty="0" smtClean="0"/>
+              <a:t>    wakilkan</a:t>
+            </a:r>
+            <a:r>
+              <a:rPr lang="id-ID" sz="1800" dirty="0"/>
+              <a:t>)</a:t>
             </a:r>
             <a:endParaRPr lang="en-US" sz="1800" dirty="0"/>
           </a:p>
@@ -4815,7 +4847,11 @@
             </a:pPr>
             <a:r>
               <a:rPr lang="id-ID" sz="1800" dirty="0"/>
-              <a:t>Minta bon tidak usah teriak teriak</a:t>
+              <a:t>Minta bon tidak usah </a:t>
+            </a:r>
+            <a:r>
+              <a:rPr lang="id-ID" sz="1800" dirty="0" smtClean="0"/>
+              <a:t>teriak-teriak</a:t>
             </a:r>
             <a:endParaRPr lang="en-US" sz="1800" dirty="0"/>
           </a:p>
@@ -4941,11 +4977,7 @@
             </a:pPr>
             <a:r>
               <a:rPr lang="id-ID" sz="1800" dirty="0"/>
-              <a:t>Data </a:t>
-            </a:r>
-            <a:r>
-              <a:rPr lang="id-ID" sz="1800" dirty="0"/>
-              <a:t>meja</a:t>
+              <a:t>Data meja</a:t>
             </a:r>
           </a:p>
           <a:p>

--- a/PROYEK1-Aplikasi Food Court.pptx
+++ b/PROYEK1-Aplikasi Food Court.pptx
@@ -11,8 +11,9 @@
     <p:sldId id="260" r:id="rId5"/>
     <p:sldId id="261" r:id="rId6"/>
     <p:sldId id="264" r:id="rId7"/>
-    <p:sldId id="262" r:id="rId8"/>
-    <p:sldId id="263" r:id="rId9"/>
+    <p:sldId id="265" r:id="rId8"/>
+    <p:sldId id="262" r:id="rId9"/>
+    <p:sldId id="263" r:id="rId10"/>
   </p:sldIdLst>
   <p:sldSz cx="9144000" cy="5143500" type="screen16x9"/>
   <p:notesSz cx="6858000" cy="9144000"/>
@@ -4469,15 +4470,7 @@
             </a:r>
             <a:r>
               <a:rPr lang="id-ID" altLang="ko-KR" sz="1800" dirty="0" smtClean="0"/>
-              <a:t> Jadi, pengunjung Food Court tidak perlu mengantri saat memesan makanan, cukup memesan melalui aplikasi web pada tab yang sudah terhubung dengan aplikasi yang ada di toko/kedai makanan. </a:t>
-            </a:r>
-            <a:r>
-              <a:rPr lang="id-ID" altLang="ko-KR" sz="1800" dirty="0" smtClean="0"/>
-              <a:t>Sebelum </a:t>
-            </a:r>
-            <a:r>
-              <a:rPr lang="id-ID" altLang="ko-KR" sz="1800" dirty="0" smtClean="0"/>
-              <a:t>pengunjung duduk di salah satu meja di Food Court, pengunjung bisa melihat ketersediaan meja melalui aplikasi.</a:t>
+              <a:t> Jadi, pengunjung Food Court tidak perlu mengantri saat memesan makanan, cukup memesan melalui aplikasi web pada tab yang sudah terhubung dengan aplikasi yang ada di toko/kedai makanan. Sebelum pengunjung duduk di salah satu meja di Food Court, pengunjung bisa melihat ketersediaan meja melalui aplikasi.</a:t>
             </a:r>
             <a:endParaRPr lang="en-US" altLang="ko-KR" sz="1800" dirty="0"/>
           </a:p>
@@ -4876,6 +4869,20 @@
 <file path=ppt/slides/slide5.xml><?xml version="1.0" encoding="utf-8"?>
 <p:sld xmlns:a="http://schemas.openxmlformats.org/drawingml/2006/main" xmlns:r="http://schemas.openxmlformats.org/officeDocument/2006/relationships" xmlns:p="http://schemas.openxmlformats.org/presentationml/2006/main">
   <p:cSld>
+    <p:bg>
+      <p:bgPr>
+        <a:blipFill dpi="0" rotWithShape="1">
+          <a:blip r:embed="rId3">
+            <a:lum/>
+          </a:blip>
+          <a:srcRect/>
+          <a:stretch>
+            <a:fillRect/>
+          </a:stretch>
+        </a:blipFill>
+        <a:effectLst/>
+      </p:bgPr>
+    </p:bg>
     <p:spTree>
       <p:nvGrpSpPr>
         <p:cNvPr id="1" name=""/>
@@ -4949,10 +4956,14 @@
           <a:lstStyle/>
           <a:p>
             <a:r>
-              <a:rPr lang="id-ID" smtClean="0"/>
-              <a:t>Data Scrapping</a:t>
-            </a:r>
-            <a:endParaRPr lang="id-ID" dirty="0"/>
+              <a:rPr lang="id-ID" sz="2400" dirty="0" smtClean="0"/>
+              <a:t>Data </a:t>
+            </a:r>
+            <a:r>
+              <a:rPr lang="id-ID" sz="2400" dirty="0" smtClean="0"/>
+              <a:t>Collection</a:t>
+            </a:r>
+            <a:endParaRPr lang="id-ID" sz="2400" dirty="0"/>
           </a:p>
         </p:txBody>
       </p:sp>
@@ -5027,7 +5038,7 @@
     </p:extLst>
   </p:cSld>
   <p:clrMapOvr>
-    <a:masterClrMapping/>
+    <a:overrideClrMapping bg1="lt1" tx1="dk1" bg2="lt2" tx2="dk2" accent1="accent1" accent2="accent2" accent3="accent3" accent4="accent4" accent5="accent5" accent6="accent6" hlink="hlink" folHlink="folHlink"/>
   </p:clrMapOvr>
 </p:sld>
 </file>
@@ -5088,6 +5099,157 @@
               </a:rPr>
               <a:t> Food Court</a:t>
             </a:r>
+            <a:endParaRPr lang="id-ID" dirty="0"/>
+          </a:p>
+        </p:txBody>
+      </p:sp>
+      <p:sp>
+        <p:nvSpPr>
+          <p:cNvPr id="3" name="Content Placeholder 2"/>
+          <p:cNvSpPr>
+            <a:spLocks noGrp="1"/>
+          </p:cNvSpPr>
+          <p:nvPr>
+            <p:ph idx="1"/>
+          </p:nvPr>
+        </p:nvSpPr>
+        <p:spPr/>
+        <p:txBody>
+          <a:bodyPr/>
+          <a:lstStyle/>
+          <a:p>
+            <a:r>
+              <a:rPr lang="id-ID" sz="2400" dirty="0" smtClean="0"/>
+              <a:t>Visualisasi Data</a:t>
+            </a:r>
+            <a:endParaRPr lang="id-ID" sz="2400" dirty="0"/>
+          </a:p>
+        </p:txBody>
+      </p:sp>
+      <p:sp>
+        <p:nvSpPr>
+          <p:cNvPr id="4" name="Content Placeholder 3"/>
+          <p:cNvSpPr>
+            <a:spLocks noGrp="1"/>
+          </p:cNvSpPr>
+          <p:nvPr>
+            <p:ph idx="10"/>
+          </p:nvPr>
+        </p:nvSpPr>
+        <p:spPr/>
+        <p:txBody>
+          <a:bodyPr/>
+          <a:lstStyle/>
+          <a:p>
+            <a:pPr marL="514350" lvl="0" indent="-514350">
+              <a:buFont typeface="+mj-lt"/>
+              <a:buAutoNum type="arabicPeriod"/>
+            </a:pPr>
+            <a:r>
+              <a:rPr lang="id-ID" sz="1800" dirty="0"/>
+              <a:t>Statistik </a:t>
+            </a:r>
+            <a:r>
+              <a:rPr lang="id-ID" sz="1800" dirty="0"/>
+              <a:t>penjualan</a:t>
+            </a:r>
+          </a:p>
+          <a:p>
+            <a:pPr marL="514350" lvl="0" indent="-514350">
+              <a:buFont typeface="+mj-lt"/>
+              <a:buAutoNum type="arabicPeriod"/>
+            </a:pPr>
+            <a:r>
+              <a:rPr lang="id-ID" sz="1800" dirty="0"/>
+              <a:t>Statistik pengunjung</a:t>
+            </a:r>
+          </a:p>
+          <a:p>
+            <a:pPr marL="514350" lvl="0" indent="-514350">
+              <a:buFont typeface="+mj-lt"/>
+              <a:buAutoNum type="arabicPeriod"/>
+            </a:pPr>
+            <a:r>
+              <a:rPr lang="id-ID" sz="1800" dirty="0"/>
+              <a:t>Fav </a:t>
+            </a:r>
+            <a:r>
+              <a:rPr lang="id-ID" sz="1800" dirty="0" smtClean="0"/>
+              <a:t>food</a:t>
+            </a:r>
+            <a:endParaRPr lang="id-ID" sz="1800" dirty="0"/>
+          </a:p>
+        </p:txBody>
+      </p:sp>
+    </p:spTree>
+    <p:extLst>
+      <p:ext uri="{BB962C8B-B14F-4D97-AF65-F5344CB8AC3E}">
+        <p14:creationId xmlns:p14="http://schemas.microsoft.com/office/powerpoint/2010/main" val="176978228"/>
+      </p:ext>
+    </p:extLst>
+  </p:cSld>
+  <p:clrMapOvr>
+    <a:masterClrMapping/>
+  </p:clrMapOvr>
+</p:sld>
+</file>
+
+<file path=ppt/slides/slide7.xml><?xml version="1.0" encoding="utf-8"?>
+<p:sld xmlns:a="http://schemas.openxmlformats.org/drawingml/2006/main" xmlns:r="http://schemas.openxmlformats.org/officeDocument/2006/relationships" xmlns:p="http://schemas.openxmlformats.org/presentationml/2006/main">
+  <p:cSld>
+    <p:spTree>
+      <p:nvGrpSpPr>
+        <p:cNvPr id="1" name=""/>
+        <p:cNvGrpSpPr/>
+        <p:nvPr/>
+      </p:nvGrpSpPr>
+      <p:grpSpPr>
+        <a:xfrm>
+          <a:off x="0" y="0"/>
+          <a:ext cx="0" cy="0"/>
+          <a:chOff x="0" y="0"/>
+          <a:chExt cx="0" cy="0"/>
+        </a:xfrm>
+      </p:grpSpPr>
+      <p:sp>
+        <p:nvSpPr>
+          <p:cNvPr id="2" name="Title 1"/>
+          <p:cNvSpPr>
+            <a:spLocks noGrp="1"/>
+          </p:cNvSpPr>
+          <p:nvPr>
+            <p:ph type="title"/>
+          </p:nvPr>
+        </p:nvSpPr>
+        <p:spPr/>
+        <p:txBody>
+          <a:bodyPr/>
+          <a:lstStyle/>
+          <a:p>
+            <a:r>
+              <a:rPr lang="en-US" altLang="ko-KR" dirty="0" err="1">
+                <a:ea typeface="맑은 고딕" pitchFamily="50" charset="-127"/>
+              </a:rPr>
+              <a:t>Proyek</a:t>
+            </a:r>
+            <a:r>
+              <a:rPr lang="en-US" altLang="ko-KR" dirty="0">
+                <a:ea typeface="맑은 고딕" pitchFamily="50" charset="-127"/>
+              </a:rPr>
+              <a:t> 1 – </a:t>
+            </a:r>
+            <a:r>
+              <a:rPr lang="en-US" altLang="ko-KR" dirty="0" err="1">
+                <a:ea typeface="맑은 고딕" pitchFamily="50" charset="-127"/>
+              </a:rPr>
+              <a:t>Aplikasi</a:t>
+            </a:r>
+            <a:r>
+              <a:rPr lang="en-US" altLang="ko-KR" dirty="0">
+                <a:ea typeface="맑은 고딕" pitchFamily="50" charset="-127"/>
+              </a:rPr>
+              <a:t> Food Court</a:t>
+            </a:r>
             <a:endParaRPr lang="en-US" dirty="0"/>
           </a:p>
         </p:txBody>
@@ -5194,7 +5356,7 @@
 </p:sld>
 </file>
 
-<file path=ppt/slides/slide7.xml><?xml version="1.0" encoding="utf-8"?>
+<file path=ppt/slides/slide8.xml><?xml version="1.0" encoding="utf-8"?>
 <p:sld xmlns:a="http://schemas.openxmlformats.org/drawingml/2006/main" xmlns:r="http://schemas.openxmlformats.org/officeDocument/2006/relationships" xmlns:p="http://schemas.openxmlformats.org/presentationml/2006/main">
   <p:cSld>
     <p:spTree>
@@ -5977,4 +6139,47 @@
   <a:objectDefaults/>
   <a:extraClrSchemeLst/>
 </a:theme>
+</file>
+
+<file path=ppt/theme/themeOverride1.xml><?xml version="1.0" encoding="utf-8"?>
+<a:themeOverride xmlns:a="http://schemas.openxmlformats.org/drawingml/2006/main">
+  <a:clrScheme name="Office">
+    <a:dk1>
+      <a:sysClr val="windowText" lastClr="000000"/>
+    </a:dk1>
+    <a:lt1>
+      <a:sysClr val="window" lastClr="FFFFFF"/>
+    </a:lt1>
+    <a:dk2>
+      <a:srgbClr val="1F497D"/>
+    </a:dk2>
+    <a:lt2>
+      <a:srgbClr val="EEECE1"/>
+    </a:lt2>
+    <a:accent1>
+      <a:srgbClr val="4F81BD"/>
+    </a:accent1>
+    <a:accent2>
+      <a:srgbClr val="C0504D"/>
+    </a:accent2>
+    <a:accent3>
+      <a:srgbClr val="9BBB59"/>
+    </a:accent3>
+    <a:accent4>
+      <a:srgbClr val="8064A2"/>
+    </a:accent4>
+    <a:accent5>
+      <a:srgbClr val="4BACC6"/>
+    </a:accent5>
+    <a:accent6>
+      <a:srgbClr val="F79646"/>
+    </a:accent6>
+    <a:hlink>
+      <a:srgbClr val="0000FF"/>
+    </a:hlink>
+    <a:folHlink>
+      <a:srgbClr val="800080"/>
+    </a:folHlink>
+  </a:clrScheme>
+</a:themeOverride>
 </file>